--- a/ppt 16-9/0538.主，我邀请你.pptx
+++ b/ppt 16-9/0538.主，我邀请你.pptx
@@ -5,7 +5,7 @@
     <p:sldMasterId id="2147483648" r:id="rId1"/>
   </p:sldMasterIdLst>
   <p:sldIdLst>
-    <p:sldId id="2282" r:id="rId2"/>
+    <p:sldId id="2284" r:id="rId2"/>
   </p:sldIdLst>
   <p:sldSz cx="12192000" cy="6858000"/>
   <p:notesSz cx="6858000" cy="9144000"/>
@@ -129,7 +129,7 @@
           <p:cNvPr id="2" name="标题 1">
             <a:extLst>
               <a:ext uri="{FF2B5EF4-FFF2-40B4-BE49-F238E27FC236}">
-                <a16:creationId xmlns:a16="http://schemas.microsoft.com/office/drawing/2014/main" id="{8C5172A1-F3F8-7E33-AF49-3330D1B368CD}"/>
+                <a16:creationId xmlns:a16="http://schemas.microsoft.com/office/drawing/2014/main" id="{CE0FA3CD-F730-513E-936D-F07253D3F8FF}"/>
               </a:ext>
             </a:extLst>
           </p:cNvPr>
@@ -166,7 +166,7 @@
           <p:cNvPr id="3" name="副标题 2">
             <a:extLst>
               <a:ext uri="{FF2B5EF4-FFF2-40B4-BE49-F238E27FC236}">
-                <a16:creationId xmlns:a16="http://schemas.microsoft.com/office/drawing/2014/main" id="{9252AD8E-12B5-368C-A6D9-E9034B162AF3}"/>
+                <a16:creationId xmlns:a16="http://schemas.microsoft.com/office/drawing/2014/main" id="{251253E5-35A5-1FB7-E79F-807581C1637C}"/>
               </a:ext>
             </a:extLst>
           </p:cNvPr>
@@ -236,7 +236,7 @@
           <p:cNvPr id="4" name="日期占位符 3">
             <a:extLst>
               <a:ext uri="{FF2B5EF4-FFF2-40B4-BE49-F238E27FC236}">
-                <a16:creationId xmlns:a16="http://schemas.microsoft.com/office/drawing/2014/main" id="{442964FD-2EDF-77E5-2ED2-084F6B574A88}"/>
+                <a16:creationId xmlns:a16="http://schemas.microsoft.com/office/drawing/2014/main" id="{A3F049AB-86C2-9956-AF52-3E2E6BDB34F1}"/>
               </a:ext>
             </a:extLst>
           </p:cNvPr>
@@ -252,7 +252,7 @@
           <a:bodyPr/>
           <a:lstStyle/>
           <a:p>
-            <a:fld id="{B269B177-51F3-44F4-A12B-148987C8EBC0}" type="datetimeFigureOut">
+            <a:fld id="{401BDBD6-B4BD-464D-BC15-02E01C59F4C1}" type="datetimeFigureOut">
               <a:rPr lang="zh-CN" altLang="en-US" smtClean="0"/>
               <a:t>2024/3/10</a:t>
             </a:fld>
@@ -265,7 +265,7 @@
           <p:cNvPr id="5" name="页脚占位符 4">
             <a:extLst>
               <a:ext uri="{FF2B5EF4-FFF2-40B4-BE49-F238E27FC236}">
-                <a16:creationId xmlns:a16="http://schemas.microsoft.com/office/drawing/2014/main" id="{50D20E53-46EA-E0BC-008B-3541972DEDB5}"/>
+                <a16:creationId xmlns:a16="http://schemas.microsoft.com/office/drawing/2014/main" id="{23A18A2C-8545-A690-0EE1-7F1B29852585}"/>
               </a:ext>
             </a:extLst>
           </p:cNvPr>
@@ -290,7 +290,7 @@
           <p:cNvPr id="6" name="灯片编号占位符 5">
             <a:extLst>
               <a:ext uri="{FF2B5EF4-FFF2-40B4-BE49-F238E27FC236}">
-                <a16:creationId xmlns:a16="http://schemas.microsoft.com/office/drawing/2014/main" id="{A1D30357-F2B7-F664-EAF1-EF469FF49E5D}"/>
+                <a16:creationId xmlns:a16="http://schemas.microsoft.com/office/drawing/2014/main" id="{4938280C-908D-A7BA-25DE-8FA077E4AF57}"/>
               </a:ext>
             </a:extLst>
           </p:cNvPr>
@@ -306,7 +306,7 @@
           <a:bodyPr/>
           <a:lstStyle/>
           <a:p>
-            <a:fld id="{C8456AA4-DFE0-466C-BE0C-94DC3C8E667D}" type="slidenum">
+            <a:fld id="{9393063D-CBAF-49D2-BEB7-2102C922D3AC}" type="slidenum">
               <a:rPr lang="zh-CN" altLang="en-US" smtClean="0"/>
               <a:t>‹#›</a:t>
             </a:fld>
@@ -317,7 +317,7 @@
     </p:spTree>
     <p:extLst>
       <p:ext uri="{BB962C8B-B14F-4D97-AF65-F5344CB8AC3E}">
-        <p14:creationId xmlns:p14="http://schemas.microsoft.com/office/powerpoint/2010/main" val="1304925265"/>
+        <p14:creationId xmlns:p14="http://schemas.microsoft.com/office/powerpoint/2010/main" val="3131086631"/>
       </p:ext>
     </p:extLst>
   </p:cSld>
@@ -349,7 +349,7 @@
           <p:cNvPr id="2" name="标题 1">
             <a:extLst>
               <a:ext uri="{FF2B5EF4-FFF2-40B4-BE49-F238E27FC236}">
-                <a16:creationId xmlns:a16="http://schemas.microsoft.com/office/drawing/2014/main" id="{4D2E604B-995C-AEEA-8CCB-EC890D9801CB}"/>
+                <a16:creationId xmlns:a16="http://schemas.microsoft.com/office/drawing/2014/main" id="{94B808C7-BBD1-76F9-F30D-41FC0F48DFE9}"/>
               </a:ext>
             </a:extLst>
           </p:cNvPr>
@@ -377,7 +377,7 @@
           <p:cNvPr id="3" name="竖排文字占位符 2">
             <a:extLst>
               <a:ext uri="{FF2B5EF4-FFF2-40B4-BE49-F238E27FC236}">
-                <a16:creationId xmlns:a16="http://schemas.microsoft.com/office/drawing/2014/main" id="{4AFD51EA-91C8-F03B-10A4-ADF55819158D}"/>
+                <a16:creationId xmlns:a16="http://schemas.microsoft.com/office/drawing/2014/main" id="{9542BC06-1EED-5560-86E7-C8A7DA9181F5}"/>
               </a:ext>
             </a:extLst>
           </p:cNvPr>
@@ -434,7 +434,7 @@
           <p:cNvPr id="4" name="日期占位符 3">
             <a:extLst>
               <a:ext uri="{FF2B5EF4-FFF2-40B4-BE49-F238E27FC236}">
-                <a16:creationId xmlns:a16="http://schemas.microsoft.com/office/drawing/2014/main" id="{B32C2DF7-CB75-7392-09BD-92A771990BC1}"/>
+                <a16:creationId xmlns:a16="http://schemas.microsoft.com/office/drawing/2014/main" id="{CA63B2EA-3BE4-2AAF-5041-0D90C2797F2E}"/>
               </a:ext>
             </a:extLst>
           </p:cNvPr>
@@ -450,7 +450,7 @@
           <a:bodyPr/>
           <a:lstStyle/>
           <a:p>
-            <a:fld id="{B269B177-51F3-44F4-A12B-148987C8EBC0}" type="datetimeFigureOut">
+            <a:fld id="{401BDBD6-B4BD-464D-BC15-02E01C59F4C1}" type="datetimeFigureOut">
               <a:rPr lang="zh-CN" altLang="en-US" smtClean="0"/>
               <a:t>2024/3/10</a:t>
             </a:fld>
@@ -463,7 +463,7 @@
           <p:cNvPr id="5" name="页脚占位符 4">
             <a:extLst>
               <a:ext uri="{FF2B5EF4-FFF2-40B4-BE49-F238E27FC236}">
-                <a16:creationId xmlns:a16="http://schemas.microsoft.com/office/drawing/2014/main" id="{CB73C835-4B8D-86DD-3ABB-B4FDBE166A5B}"/>
+                <a16:creationId xmlns:a16="http://schemas.microsoft.com/office/drawing/2014/main" id="{50821B3F-B288-4050-E8EF-E41BC1ED517C}"/>
               </a:ext>
             </a:extLst>
           </p:cNvPr>
@@ -488,7 +488,7 @@
           <p:cNvPr id="6" name="灯片编号占位符 5">
             <a:extLst>
               <a:ext uri="{FF2B5EF4-FFF2-40B4-BE49-F238E27FC236}">
-                <a16:creationId xmlns:a16="http://schemas.microsoft.com/office/drawing/2014/main" id="{6A8C7855-D643-EBE0-14FE-4545C2EC2C4B}"/>
+                <a16:creationId xmlns:a16="http://schemas.microsoft.com/office/drawing/2014/main" id="{61B45787-5D21-D36A-72E3-9EAAE25CF6B2}"/>
               </a:ext>
             </a:extLst>
           </p:cNvPr>
@@ -504,7 +504,7 @@
           <a:bodyPr/>
           <a:lstStyle/>
           <a:p>
-            <a:fld id="{C8456AA4-DFE0-466C-BE0C-94DC3C8E667D}" type="slidenum">
+            <a:fld id="{9393063D-CBAF-49D2-BEB7-2102C922D3AC}" type="slidenum">
               <a:rPr lang="zh-CN" altLang="en-US" smtClean="0"/>
               <a:t>‹#›</a:t>
             </a:fld>
@@ -515,7 +515,7 @@
     </p:spTree>
     <p:extLst>
       <p:ext uri="{BB962C8B-B14F-4D97-AF65-F5344CB8AC3E}">
-        <p14:creationId xmlns:p14="http://schemas.microsoft.com/office/powerpoint/2010/main" val="597414860"/>
+        <p14:creationId xmlns:p14="http://schemas.microsoft.com/office/powerpoint/2010/main" val="3380616045"/>
       </p:ext>
     </p:extLst>
   </p:cSld>
@@ -547,7 +547,7 @@
           <p:cNvPr id="2" name="竖排标题 1">
             <a:extLst>
               <a:ext uri="{FF2B5EF4-FFF2-40B4-BE49-F238E27FC236}">
-                <a16:creationId xmlns:a16="http://schemas.microsoft.com/office/drawing/2014/main" id="{C1714222-6E48-1716-5136-D8E9F4B790BB}"/>
+                <a16:creationId xmlns:a16="http://schemas.microsoft.com/office/drawing/2014/main" id="{F71EEC27-7D5C-E090-3901-E4F3B0EAEF97}"/>
               </a:ext>
             </a:extLst>
           </p:cNvPr>
@@ -580,7 +580,7 @@
           <p:cNvPr id="3" name="竖排文字占位符 2">
             <a:extLst>
               <a:ext uri="{FF2B5EF4-FFF2-40B4-BE49-F238E27FC236}">
-                <a16:creationId xmlns:a16="http://schemas.microsoft.com/office/drawing/2014/main" id="{D8BA8734-FAAE-AC04-E7AD-49F82A0A318E}"/>
+                <a16:creationId xmlns:a16="http://schemas.microsoft.com/office/drawing/2014/main" id="{3D065D13-72F3-00C1-5265-DA066E73922E}"/>
               </a:ext>
             </a:extLst>
           </p:cNvPr>
@@ -642,7 +642,7 @@
           <p:cNvPr id="4" name="日期占位符 3">
             <a:extLst>
               <a:ext uri="{FF2B5EF4-FFF2-40B4-BE49-F238E27FC236}">
-                <a16:creationId xmlns:a16="http://schemas.microsoft.com/office/drawing/2014/main" id="{F3D1841B-4ECC-0C03-7291-EBED8163D9B1}"/>
+                <a16:creationId xmlns:a16="http://schemas.microsoft.com/office/drawing/2014/main" id="{FDE26F2C-E8A3-E879-B12C-723DAF9FD4F3}"/>
               </a:ext>
             </a:extLst>
           </p:cNvPr>
@@ -658,7 +658,7 @@
           <a:bodyPr/>
           <a:lstStyle/>
           <a:p>
-            <a:fld id="{B269B177-51F3-44F4-A12B-148987C8EBC0}" type="datetimeFigureOut">
+            <a:fld id="{401BDBD6-B4BD-464D-BC15-02E01C59F4C1}" type="datetimeFigureOut">
               <a:rPr lang="zh-CN" altLang="en-US" smtClean="0"/>
               <a:t>2024/3/10</a:t>
             </a:fld>
@@ -671,7 +671,7 @@
           <p:cNvPr id="5" name="页脚占位符 4">
             <a:extLst>
               <a:ext uri="{FF2B5EF4-FFF2-40B4-BE49-F238E27FC236}">
-                <a16:creationId xmlns:a16="http://schemas.microsoft.com/office/drawing/2014/main" id="{77ABD264-12E7-7A08-D311-31DEC5329973}"/>
+                <a16:creationId xmlns:a16="http://schemas.microsoft.com/office/drawing/2014/main" id="{B0E56089-0969-EBE4-C8E8-2BDD65087154}"/>
               </a:ext>
             </a:extLst>
           </p:cNvPr>
@@ -696,7 +696,7 @@
           <p:cNvPr id="6" name="灯片编号占位符 5">
             <a:extLst>
               <a:ext uri="{FF2B5EF4-FFF2-40B4-BE49-F238E27FC236}">
-                <a16:creationId xmlns:a16="http://schemas.microsoft.com/office/drawing/2014/main" id="{6F08340C-9BEB-0685-D4B1-C497B178DCBE}"/>
+                <a16:creationId xmlns:a16="http://schemas.microsoft.com/office/drawing/2014/main" id="{F97CC3F7-F002-6F07-3D74-AAD234B018C4}"/>
               </a:ext>
             </a:extLst>
           </p:cNvPr>
@@ -712,7 +712,7 @@
           <a:bodyPr/>
           <a:lstStyle/>
           <a:p>
-            <a:fld id="{C8456AA4-DFE0-466C-BE0C-94DC3C8E667D}" type="slidenum">
+            <a:fld id="{9393063D-CBAF-49D2-BEB7-2102C922D3AC}" type="slidenum">
               <a:rPr lang="zh-CN" altLang="en-US" smtClean="0"/>
               <a:t>‹#›</a:t>
             </a:fld>
@@ -723,7 +723,7 @@
     </p:spTree>
     <p:extLst>
       <p:ext uri="{BB962C8B-B14F-4D97-AF65-F5344CB8AC3E}">
-        <p14:creationId xmlns:p14="http://schemas.microsoft.com/office/powerpoint/2010/main" val="2827661651"/>
+        <p14:creationId xmlns:p14="http://schemas.microsoft.com/office/powerpoint/2010/main" val="2009067009"/>
       </p:ext>
     </p:extLst>
   </p:cSld>
@@ -755,7 +755,7 @@
           <p:cNvPr id="2" name="标题 1">
             <a:extLst>
               <a:ext uri="{FF2B5EF4-FFF2-40B4-BE49-F238E27FC236}">
-                <a16:creationId xmlns:a16="http://schemas.microsoft.com/office/drawing/2014/main" id="{CB4698BD-FB87-08BD-3178-98184B1862F8}"/>
+                <a16:creationId xmlns:a16="http://schemas.microsoft.com/office/drawing/2014/main" id="{A8B4FFBB-5E66-B38B-6398-8A0B3F1D90CD}"/>
               </a:ext>
             </a:extLst>
           </p:cNvPr>
@@ -783,7 +783,7 @@
           <p:cNvPr id="3" name="内容占位符 2">
             <a:extLst>
               <a:ext uri="{FF2B5EF4-FFF2-40B4-BE49-F238E27FC236}">
-                <a16:creationId xmlns:a16="http://schemas.microsoft.com/office/drawing/2014/main" id="{AE0C576B-3452-6211-6F37-73E48E609BF3}"/>
+                <a16:creationId xmlns:a16="http://schemas.microsoft.com/office/drawing/2014/main" id="{ADEF9CAC-8B39-3003-0D98-7E6C515351CE}"/>
               </a:ext>
             </a:extLst>
           </p:cNvPr>
@@ -840,7 +840,7 @@
           <p:cNvPr id="4" name="日期占位符 3">
             <a:extLst>
               <a:ext uri="{FF2B5EF4-FFF2-40B4-BE49-F238E27FC236}">
-                <a16:creationId xmlns:a16="http://schemas.microsoft.com/office/drawing/2014/main" id="{80327513-A63D-F311-CCFB-25CC4635F5FF}"/>
+                <a16:creationId xmlns:a16="http://schemas.microsoft.com/office/drawing/2014/main" id="{F4C7CDE1-6741-99CB-708C-DB721F5CA928}"/>
               </a:ext>
             </a:extLst>
           </p:cNvPr>
@@ -856,7 +856,7 @@
           <a:bodyPr/>
           <a:lstStyle/>
           <a:p>
-            <a:fld id="{B269B177-51F3-44F4-A12B-148987C8EBC0}" type="datetimeFigureOut">
+            <a:fld id="{401BDBD6-B4BD-464D-BC15-02E01C59F4C1}" type="datetimeFigureOut">
               <a:rPr lang="zh-CN" altLang="en-US" smtClean="0"/>
               <a:t>2024/3/10</a:t>
             </a:fld>
@@ -869,7 +869,7 @@
           <p:cNvPr id="5" name="页脚占位符 4">
             <a:extLst>
               <a:ext uri="{FF2B5EF4-FFF2-40B4-BE49-F238E27FC236}">
-                <a16:creationId xmlns:a16="http://schemas.microsoft.com/office/drawing/2014/main" id="{A351B3F6-33BA-453A-8915-2E7F0A61BC64}"/>
+                <a16:creationId xmlns:a16="http://schemas.microsoft.com/office/drawing/2014/main" id="{F395CD16-2524-BA0B-10E0-31FB83C0C3FB}"/>
               </a:ext>
             </a:extLst>
           </p:cNvPr>
@@ -894,7 +894,7 @@
           <p:cNvPr id="6" name="灯片编号占位符 5">
             <a:extLst>
               <a:ext uri="{FF2B5EF4-FFF2-40B4-BE49-F238E27FC236}">
-                <a16:creationId xmlns:a16="http://schemas.microsoft.com/office/drawing/2014/main" id="{2ED8B726-BA71-F48F-BED7-AEB074ECDC30}"/>
+                <a16:creationId xmlns:a16="http://schemas.microsoft.com/office/drawing/2014/main" id="{F40EE0AB-9A58-8692-3C08-2315E4B3B333}"/>
               </a:ext>
             </a:extLst>
           </p:cNvPr>
@@ -910,7 +910,7 @@
           <a:bodyPr/>
           <a:lstStyle/>
           <a:p>
-            <a:fld id="{C8456AA4-DFE0-466C-BE0C-94DC3C8E667D}" type="slidenum">
+            <a:fld id="{9393063D-CBAF-49D2-BEB7-2102C922D3AC}" type="slidenum">
               <a:rPr lang="zh-CN" altLang="en-US" smtClean="0"/>
               <a:t>‹#›</a:t>
             </a:fld>
@@ -921,7 +921,7 @@
     </p:spTree>
     <p:extLst>
       <p:ext uri="{BB962C8B-B14F-4D97-AF65-F5344CB8AC3E}">
-        <p14:creationId xmlns:p14="http://schemas.microsoft.com/office/powerpoint/2010/main" val="3294779273"/>
+        <p14:creationId xmlns:p14="http://schemas.microsoft.com/office/powerpoint/2010/main" val="1571087919"/>
       </p:ext>
     </p:extLst>
   </p:cSld>
@@ -953,7 +953,7 @@
           <p:cNvPr id="2" name="标题 1">
             <a:extLst>
               <a:ext uri="{FF2B5EF4-FFF2-40B4-BE49-F238E27FC236}">
-                <a16:creationId xmlns:a16="http://schemas.microsoft.com/office/drawing/2014/main" id="{B87D4BA9-C204-138B-7C36-B2A927E71DDA}"/>
+                <a16:creationId xmlns:a16="http://schemas.microsoft.com/office/drawing/2014/main" id="{6ED64EB8-C818-954B-EF43-B516F2347201}"/>
               </a:ext>
             </a:extLst>
           </p:cNvPr>
@@ -990,7 +990,7 @@
           <p:cNvPr id="3" name="文本占位符 2">
             <a:extLst>
               <a:ext uri="{FF2B5EF4-FFF2-40B4-BE49-F238E27FC236}">
-                <a16:creationId xmlns:a16="http://schemas.microsoft.com/office/drawing/2014/main" id="{37B9E9E4-7F38-555E-EA46-0053EA41F731}"/>
+                <a16:creationId xmlns:a16="http://schemas.microsoft.com/office/drawing/2014/main" id="{7CAA37E8-B320-A47C-9487-98CD45707509}"/>
               </a:ext>
             </a:extLst>
           </p:cNvPr>
@@ -1115,7 +1115,7 @@
           <p:cNvPr id="4" name="日期占位符 3">
             <a:extLst>
               <a:ext uri="{FF2B5EF4-FFF2-40B4-BE49-F238E27FC236}">
-                <a16:creationId xmlns:a16="http://schemas.microsoft.com/office/drawing/2014/main" id="{BC691AD9-36FC-6EC1-3EF6-A569D53D74DD}"/>
+                <a16:creationId xmlns:a16="http://schemas.microsoft.com/office/drawing/2014/main" id="{0F41FDE0-4D80-509C-B811-813B2C3CA1F1}"/>
               </a:ext>
             </a:extLst>
           </p:cNvPr>
@@ -1131,7 +1131,7 @@
           <a:bodyPr/>
           <a:lstStyle/>
           <a:p>
-            <a:fld id="{B269B177-51F3-44F4-A12B-148987C8EBC0}" type="datetimeFigureOut">
+            <a:fld id="{401BDBD6-B4BD-464D-BC15-02E01C59F4C1}" type="datetimeFigureOut">
               <a:rPr lang="zh-CN" altLang="en-US" smtClean="0"/>
               <a:t>2024/3/10</a:t>
             </a:fld>
@@ -1144,7 +1144,7 @@
           <p:cNvPr id="5" name="页脚占位符 4">
             <a:extLst>
               <a:ext uri="{FF2B5EF4-FFF2-40B4-BE49-F238E27FC236}">
-                <a16:creationId xmlns:a16="http://schemas.microsoft.com/office/drawing/2014/main" id="{48C25CA1-658E-04CC-2F5D-BA38CC2FE9DB}"/>
+                <a16:creationId xmlns:a16="http://schemas.microsoft.com/office/drawing/2014/main" id="{EE29E673-FA27-C225-2F40-D0E08CDC0022}"/>
               </a:ext>
             </a:extLst>
           </p:cNvPr>
@@ -1169,7 +1169,7 @@
           <p:cNvPr id="6" name="灯片编号占位符 5">
             <a:extLst>
               <a:ext uri="{FF2B5EF4-FFF2-40B4-BE49-F238E27FC236}">
-                <a16:creationId xmlns:a16="http://schemas.microsoft.com/office/drawing/2014/main" id="{BD26E8F1-58C5-A2C3-337D-F3EF656F6E31}"/>
+                <a16:creationId xmlns:a16="http://schemas.microsoft.com/office/drawing/2014/main" id="{DD994C9E-DCE5-DD51-E408-21D4935764DA}"/>
               </a:ext>
             </a:extLst>
           </p:cNvPr>
@@ -1185,7 +1185,7 @@
           <a:bodyPr/>
           <a:lstStyle/>
           <a:p>
-            <a:fld id="{C8456AA4-DFE0-466C-BE0C-94DC3C8E667D}" type="slidenum">
+            <a:fld id="{9393063D-CBAF-49D2-BEB7-2102C922D3AC}" type="slidenum">
               <a:rPr lang="zh-CN" altLang="en-US" smtClean="0"/>
               <a:t>‹#›</a:t>
             </a:fld>
@@ -1196,7 +1196,7 @@
     </p:spTree>
     <p:extLst>
       <p:ext uri="{BB962C8B-B14F-4D97-AF65-F5344CB8AC3E}">
-        <p14:creationId xmlns:p14="http://schemas.microsoft.com/office/powerpoint/2010/main" val="3112101162"/>
+        <p14:creationId xmlns:p14="http://schemas.microsoft.com/office/powerpoint/2010/main" val="3590119936"/>
       </p:ext>
     </p:extLst>
   </p:cSld>
@@ -1228,7 +1228,7 @@
           <p:cNvPr id="2" name="标题 1">
             <a:extLst>
               <a:ext uri="{FF2B5EF4-FFF2-40B4-BE49-F238E27FC236}">
-                <a16:creationId xmlns:a16="http://schemas.microsoft.com/office/drawing/2014/main" id="{B7A67E03-5798-ED55-3A3A-861CC0D4816C}"/>
+                <a16:creationId xmlns:a16="http://schemas.microsoft.com/office/drawing/2014/main" id="{6EE187EF-6467-DB37-8EC9-7ED2A824A544}"/>
               </a:ext>
             </a:extLst>
           </p:cNvPr>
@@ -1256,7 +1256,7 @@
           <p:cNvPr id="3" name="内容占位符 2">
             <a:extLst>
               <a:ext uri="{FF2B5EF4-FFF2-40B4-BE49-F238E27FC236}">
-                <a16:creationId xmlns:a16="http://schemas.microsoft.com/office/drawing/2014/main" id="{2309E713-2E07-3DE3-B856-BC7F84EFFBC1}"/>
+                <a16:creationId xmlns:a16="http://schemas.microsoft.com/office/drawing/2014/main" id="{C96B7802-0733-35E5-D16B-D75457D2E61C}"/>
               </a:ext>
             </a:extLst>
           </p:cNvPr>
@@ -1318,7 +1318,7 @@
           <p:cNvPr id="4" name="内容占位符 3">
             <a:extLst>
               <a:ext uri="{FF2B5EF4-FFF2-40B4-BE49-F238E27FC236}">
-                <a16:creationId xmlns:a16="http://schemas.microsoft.com/office/drawing/2014/main" id="{88492E39-E313-5F9A-EF6B-CF694C312A60}"/>
+                <a16:creationId xmlns:a16="http://schemas.microsoft.com/office/drawing/2014/main" id="{0581257B-AD86-C1A1-5FBA-B6BE1DBF21C0}"/>
               </a:ext>
             </a:extLst>
           </p:cNvPr>
@@ -1380,7 +1380,7 @@
           <p:cNvPr id="5" name="日期占位符 4">
             <a:extLst>
               <a:ext uri="{FF2B5EF4-FFF2-40B4-BE49-F238E27FC236}">
-                <a16:creationId xmlns:a16="http://schemas.microsoft.com/office/drawing/2014/main" id="{5EDBB9F9-C4AD-4071-3DD6-B4FE9230EA76}"/>
+                <a16:creationId xmlns:a16="http://schemas.microsoft.com/office/drawing/2014/main" id="{A51702CF-0F3E-3E63-E1AF-D795166921AC}"/>
               </a:ext>
             </a:extLst>
           </p:cNvPr>
@@ -1396,7 +1396,7 @@
           <a:bodyPr/>
           <a:lstStyle/>
           <a:p>
-            <a:fld id="{B269B177-51F3-44F4-A12B-148987C8EBC0}" type="datetimeFigureOut">
+            <a:fld id="{401BDBD6-B4BD-464D-BC15-02E01C59F4C1}" type="datetimeFigureOut">
               <a:rPr lang="zh-CN" altLang="en-US" smtClean="0"/>
               <a:t>2024/3/10</a:t>
             </a:fld>
@@ -1409,7 +1409,7 @@
           <p:cNvPr id="6" name="页脚占位符 5">
             <a:extLst>
               <a:ext uri="{FF2B5EF4-FFF2-40B4-BE49-F238E27FC236}">
-                <a16:creationId xmlns:a16="http://schemas.microsoft.com/office/drawing/2014/main" id="{B6806095-1B53-48F7-A4C5-E2C8FA130491}"/>
+                <a16:creationId xmlns:a16="http://schemas.microsoft.com/office/drawing/2014/main" id="{497063D5-8415-90C5-E56D-43E8C3B7636D}"/>
               </a:ext>
             </a:extLst>
           </p:cNvPr>
@@ -1434,7 +1434,7 @@
           <p:cNvPr id="7" name="灯片编号占位符 6">
             <a:extLst>
               <a:ext uri="{FF2B5EF4-FFF2-40B4-BE49-F238E27FC236}">
-                <a16:creationId xmlns:a16="http://schemas.microsoft.com/office/drawing/2014/main" id="{F309F9A2-15AC-4698-267E-6ABC2D3060A0}"/>
+                <a16:creationId xmlns:a16="http://schemas.microsoft.com/office/drawing/2014/main" id="{63308F61-8C25-7D63-7840-1EB0C610DB4E}"/>
               </a:ext>
             </a:extLst>
           </p:cNvPr>
@@ -1450,7 +1450,7 @@
           <a:bodyPr/>
           <a:lstStyle/>
           <a:p>
-            <a:fld id="{C8456AA4-DFE0-466C-BE0C-94DC3C8E667D}" type="slidenum">
+            <a:fld id="{9393063D-CBAF-49D2-BEB7-2102C922D3AC}" type="slidenum">
               <a:rPr lang="zh-CN" altLang="en-US" smtClean="0"/>
               <a:t>‹#›</a:t>
             </a:fld>
@@ -1461,7 +1461,7 @@
     </p:spTree>
     <p:extLst>
       <p:ext uri="{BB962C8B-B14F-4D97-AF65-F5344CB8AC3E}">
-        <p14:creationId xmlns:p14="http://schemas.microsoft.com/office/powerpoint/2010/main" val="2674575750"/>
+        <p14:creationId xmlns:p14="http://schemas.microsoft.com/office/powerpoint/2010/main" val="2176547735"/>
       </p:ext>
     </p:extLst>
   </p:cSld>
@@ -1493,7 +1493,7 @@
           <p:cNvPr id="2" name="标题 1">
             <a:extLst>
               <a:ext uri="{FF2B5EF4-FFF2-40B4-BE49-F238E27FC236}">
-                <a16:creationId xmlns:a16="http://schemas.microsoft.com/office/drawing/2014/main" id="{B9C7A775-60CE-54A1-A120-CD15910FF361}"/>
+                <a16:creationId xmlns:a16="http://schemas.microsoft.com/office/drawing/2014/main" id="{BDEFD55D-5B75-44D3-1E7F-A59E98199BEC}"/>
               </a:ext>
             </a:extLst>
           </p:cNvPr>
@@ -1526,7 +1526,7 @@
           <p:cNvPr id="3" name="文本占位符 2">
             <a:extLst>
               <a:ext uri="{FF2B5EF4-FFF2-40B4-BE49-F238E27FC236}">
-                <a16:creationId xmlns:a16="http://schemas.microsoft.com/office/drawing/2014/main" id="{B05836E3-B473-F92E-FA48-F86391587614}"/>
+                <a16:creationId xmlns:a16="http://schemas.microsoft.com/office/drawing/2014/main" id="{A5C66E18-C7CD-19FB-E65E-BBB1F3A3F740}"/>
               </a:ext>
             </a:extLst>
           </p:cNvPr>
@@ -1597,7 +1597,7 @@
           <p:cNvPr id="4" name="内容占位符 3">
             <a:extLst>
               <a:ext uri="{FF2B5EF4-FFF2-40B4-BE49-F238E27FC236}">
-                <a16:creationId xmlns:a16="http://schemas.microsoft.com/office/drawing/2014/main" id="{CACCD9BB-8115-CF51-9177-8E5F9603D010}"/>
+                <a16:creationId xmlns:a16="http://schemas.microsoft.com/office/drawing/2014/main" id="{AA223128-2546-54F2-9503-7BB19081DAE1}"/>
               </a:ext>
             </a:extLst>
           </p:cNvPr>
@@ -1659,7 +1659,7 @@
           <p:cNvPr id="5" name="文本占位符 4">
             <a:extLst>
               <a:ext uri="{FF2B5EF4-FFF2-40B4-BE49-F238E27FC236}">
-                <a16:creationId xmlns:a16="http://schemas.microsoft.com/office/drawing/2014/main" id="{6FDF8779-914B-7C5A-CF7A-AAC917B6FC9B}"/>
+                <a16:creationId xmlns:a16="http://schemas.microsoft.com/office/drawing/2014/main" id="{CBABDED4-F67D-CC9F-6BDA-BDCEA22DD6D3}"/>
               </a:ext>
             </a:extLst>
           </p:cNvPr>
@@ -1730,7 +1730,7 @@
           <p:cNvPr id="6" name="内容占位符 5">
             <a:extLst>
               <a:ext uri="{FF2B5EF4-FFF2-40B4-BE49-F238E27FC236}">
-                <a16:creationId xmlns:a16="http://schemas.microsoft.com/office/drawing/2014/main" id="{10B18672-5B5E-4853-3542-5B6F8E7B0516}"/>
+                <a16:creationId xmlns:a16="http://schemas.microsoft.com/office/drawing/2014/main" id="{20D67CF0-D169-A99A-D8E1-789083C05CE7}"/>
               </a:ext>
             </a:extLst>
           </p:cNvPr>
@@ -1792,7 +1792,7 @@
           <p:cNvPr id="7" name="日期占位符 6">
             <a:extLst>
               <a:ext uri="{FF2B5EF4-FFF2-40B4-BE49-F238E27FC236}">
-                <a16:creationId xmlns:a16="http://schemas.microsoft.com/office/drawing/2014/main" id="{2133E352-D9B8-E861-3F97-5A7E8D8B3DED}"/>
+                <a16:creationId xmlns:a16="http://schemas.microsoft.com/office/drawing/2014/main" id="{425A8611-2C4D-E790-D5DD-FBEA93537464}"/>
               </a:ext>
             </a:extLst>
           </p:cNvPr>
@@ -1808,7 +1808,7 @@
           <a:bodyPr/>
           <a:lstStyle/>
           <a:p>
-            <a:fld id="{B269B177-51F3-44F4-A12B-148987C8EBC0}" type="datetimeFigureOut">
+            <a:fld id="{401BDBD6-B4BD-464D-BC15-02E01C59F4C1}" type="datetimeFigureOut">
               <a:rPr lang="zh-CN" altLang="en-US" smtClean="0"/>
               <a:t>2024/3/10</a:t>
             </a:fld>
@@ -1821,7 +1821,7 @@
           <p:cNvPr id="8" name="页脚占位符 7">
             <a:extLst>
               <a:ext uri="{FF2B5EF4-FFF2-40B4-BE49-F238E27FC236}">
-                <a16:creationId xmlns:a16="http://schemas.microsoft.com/office/drawing/2014/main" id="{E7D84FE9-6CB3-FF7F-E8C8-F77C628B9FD4}"/>
+                <a16:creationId xmlns:a16="http://schemas.microsoft.com/office/drawing/2014/main" id="{CB8E7B37-9F9A-41B8-0E3A-7C84AA580F92}"/>
               </a:ext>
             </a:extLst>
           </p:cNvPr>
@@ -1846,7 +1846,7 @@
           <p:cNvPr id="9" name="灯片编号占位符 8">
             <a:extLst>
               <a:ext uri="{FF2B5EF4-FFF2-40B4-BE49-F238E27FC236}">
-                <a16:creationId xmlns:a16="http://schemas.microsoft.com/office/drawing/2014/main" id="{519E6BB5-8143-4062-EA1E-48BF36421765}"/>
+                <a16:creationId xmlns:a16="http://schemas.microsoft.com/office/drawing/2014/main" id="{196685B8-D460-3C12-CD9D-4D07C0B52901}"/>
               </a:ext>
             </a:extLst>
           </p:cNvPr>
@@ -1862,7 +1862,7 @@
           <a:bodyPr/>
           <a:lstStyle/>
           <a:p>
-            <a:fld id="{C8456AA4-DFE0-466C-BE0C-94DC3C8E667D}" type="slidenum">
+            <a:fld id="{9393063D-CBAF-49D2-BEB7-2102C922D3AC}" type="slidenum">
               <a:rPr lang="zh-CN" altLang="en-US" smtClean="0"/>
               <a:t>‹#›</a:t>
             </a:fld>
@@ -1873,7 +1873,7 @@
     </p:spTree>
     <p:extLst>
       <p:ext uri="{BB962C8B-B14F-4D97-AF65-F5344CB8AC3E}">
-        <p14:creationId xmlns:p14="http://schemas.microsoft.com/office/powerpoint/2010/main" val="3986596224"/>
+        <p14:creationId xmlns:p14="http://schemas.microsoft.com/office/powerpoint/2010/main" val="1694706308"/>
       </p:ext>
     </p:extLst>
   </p:cSld>
@@ -1905,7 +1905,7 @@
           <p:cNvPr id="2" name="标题 1">
             <a:extLst>
               <a:ext uri="{FF2B5EF4-FFF2-40B4-BE49-F238E27FC236}">
-                <a16:creationId xmlns:a16="http://schemas.microsoft.com/office/drawing/2014/main" id="{20662BFC-B140-DA0F-CAEF-EBEA77C31D0F}"/>
+                <a16:creationId xmlns:a16="http://schemas.microsoft.com/office/drawing/2014/main" id="{157E9737-C346-04F5-E1A8-9CEABB3BC250}"/>
               </a:ext>
             </a:extLst>
           </p:cNvPr>
@@ -1933,7 +1933,7 @@
           <p:cNvPr id="3" name="日期占位符 2">
             <a:extLst>
               <a:ext uri="{FF2B5EF4-FFF2-40B4-BE49-F238E27FC236}">
-                <a16:creationId xmlns:a16="http://schemas.microsoft.com/office/drawing/2014/main" id="{41543AD5-BD22-4475-46D2-696D87E5CA31}"/>
+                <a16:creationId xmlns:a16="http://schemas.microsoft.com/office/drawing/2014/main" id="{0E5ECA8D-F333-8B70-4F0A-369094CB555C}"/>
               </a:ext>
             </a:extLst>
           </p:cNvPr>
@@ -1949,7 +1949,7 @@
           <a:bodyPr/>
           <a:lstStyle/>
           <a:p>
-            <a:fld id="{B269B177-51F3-44F4-A12B-148987C8EBC0}" type="datetimeFigureOut">
+            <a:fld id="{401BDBD6-B4BD-464D-BC15-02E01C59F4C1}" type="datetimeFigureOut">
               <a:rPr lang="zh-CN" altLang="en-US" smtClean="0"/>
               <a:t>2024/3/10</a:t>
             </a:fld>
@@ -1962,7 +1962,7 @@
           <p:cNvPr id="4" name="页脚占位符 3">
             <a:extLst>
               <a:ext uri="{FF2B5EF4-FFF2-40B4-BE49-F238E27FC236}">
-                <a16:creationId xmlns:a16="http://schemas.microsoft.com/office/drawing/2014/main" id="{962885C5-A330-EA66-CAF6-AFE5F37F1A57}"/>
+                <a16:creationId xmlns:a16="http://schemas.microsoft.com/office/drawing/2014/main" id="{F1DC7E23-7607-4B09-4F11-05C7994086FB}"/>
               </a:ext>
             </a:extLst>
           </p:cNvPr>
@@ -1987,7 +1987,7 @@
           <p:cNvPr id="5" name="灯片编号占位符 4">
             <a:extLst>
               <a:ext uri="{FF2B5EF4-FFF2-40B4-BE49-F238E27FC236}">
-                <a16:creationId xmlns:a16="http://schemas.microsoft.com/office/drawing/2014/main" id="{3A34350C-2DD9-55E7-2C27-CB560A4898A4}"/>
+                <a16:creationId xmlns:a16="http://schemas.microsoft.com/office/drawing/2014/main" id="{BD5815E4-E75E-8DCD-33B0-9A8122A8A1C2}"/>
               </a:ext>
             </a:extLst>
           </p:cNvPr>
@@ -2003,7 +2003,7 @@
           <a:bodyPr/>
           <a:lstStyle/>
           <a:p>
-            <a:fld id="{C8456AA4-DFE0-466C-BE0C-94DC3C8E667D}" type="slidenum">
+            <a:fld id="{9393063D-CBAF-49D2-BEB7-2102C922D3AC}" type="slidenum">
               <a:rPr lang="zh-CN" altLang="en-US" smtClean="0"/>
               <a:t>‹#›</a:t>
             </a:fld>
@@ -2014,7 +2014,7 @@
     </p:spTree>
     <p:extLst>
       <p:ext uri="{BB962C8B-B14F-4D97-AF65-F5344CB8AC3E}">
-        <p14:creationId xmlns:p14="http://schemas.microsoft.com/office/powerpoint/2010/main" val="2655089295"/>
+        <p14:creationId xmlns:p14="http://schemas.microsoft.com/office/powerpoint/2010/main" val="622894025"/>
       </p:ext>
     </p:extLst>
   </p:cSld>
@@ -2046,7 +2046,7 @@
           <p:cNvPr id="2" name="日期占位符 1">
             <a:extLst>
               <a:ext uri="{FF2B5EF4-FFF2-40B4-BE49-F238E27FC236}">
-                <a16:creationId xmlns:a16="http://schemas.microsoft.com/office/drawing/2014/main" id="{6FE6DABE-14F2-C2A9-EDC7-FA2B725ABE97}"/>
+                <a16:creationId xmlns:a16="http://schemas.microsoft.com/office/drawing/2014/main" id="{60BFEEC7-0BDD-28CE-94AA-D30F1D5566D1}"/>
               </a:ext>
             </a:extLst>
           </p:cNvPr>
@@ -2062,7 +2062,7 @@
           <a:bodyPr/>
           <a:lstStyle/>
           <a:p>
-            <a:fld id="{B269B177-51F3-44F4-A12B-148987C8EBC0}" type="datetimeFigureOut">
+            <a:fld id="{401BDBD6-B4BD-464D-BC15-02E01C59F4C1}" type="datetimeFigureOut">
               <a:rPr lang="zh-CN" altLang="en-US" smtClean="0"/>
               <a:t>2024/3/10</a:t>
             </a:fld>
@@ -2075,7 +2075,7 @@
           <p:cNvPr id="3" name="页脚占位符 2">
             <a:extLst>
               <a:ext uri="{FF2B5EF4-FFF2-40B4-BE49-F238E27FC236}">
-                <a16:creationId xmlns:a16="http://schemas.microsoft.com/office/drawing/2014/main" id="{32F8205D-AB01-CB8A-27AB-EC98B8D7008C}"/>
+                <a16:creationId xmlns:a16="http://schemas.microsoft.com/office/drawing/2014/main" id="{30968060-B6DD-FC81-F497-BBC4BA564E06}"/>
               </a:ext>
             </a:extLst>
           </p:cNvPr>
@@ -2100,7 +2100,7 @@
           <p:cNvPr id="4" name="灯片编号占位符 3">
             <a:extLst>
               <a:ext uri="{FF2B5EF4-FFF2-40B4-BE49-F238E27FC236}">
-                <a16:creationId xmlns:a16="http://schemas.microsoft.com/office/drawing/2014/main" id="{0324015C-FC98-5536-A837-FC9CA94061B0}"/>
+                <a16:creationId xmlns:a16="http://schemas.microsoft.com/office/drawing/2014/main" id="{6356BB51-389C-E5D2-07CE-D41163E95C1D}"/>
               </a:ext>
             </a:extLst>
           </p:cNvPr>
@@ -2116,7 +2116,7 @@
           <a:bodyPr/>
           <a:lstStyle/>
           <a:p>
-            <a:fld id="{C8456AA4-DFE0-466C-BE0C-94DC3C8E667D}" type="slidenum">
+            <a:fld id="{9393063D-CBAF-49D2-BEB7-2102C922D3AC}" type="slidenum">
               <a:rPr lang="zh-CN" altLang="en-US" smtClean="0"/>
               <a:t>‹#›</a:t>
             </a:fld>
@@ -2127,7 +2127,7 @@
     </p:spTree>
     <p:extLst>
       <p:ext uri="{BB962C8B-B14F-4D97-AF65-F5344CB8AC3E}">
-        <p14:creationId xmlns:p14="http://schemas.microsoft.com/office/powerpoint/2010/main" val="28946421"/>
+        <p14:creationId xmlns:p14="http://schemas.microsoft.com/office/powerpoint/2010/main" val="1128336562"/>
       </p:ext>
     </p:extLst>
   </p:cSld>
@@ -2159,7 +2159,7 @@
           <p:cNvPr id="2" name="标题 1">
             <a:extLst>
               <a:ext uri="{FF2B5EF4-FFF2-40B4-BE49-F238E27FC236}">
-                <a16:creationId xmlns:a16="http://schemas.microsoft.com/office/drawing/2014/main" id="{7E98DE44-B100-FD9E-70E6-8A623512D2A7}"/>
+                <a16:creationId xmlns:a16="http://schemas.microsoft.com/office/drawing/2014/main" id="{562BC2A5-CDC1-BDDF-5EEA-137E004EED55}"/>
               </a:ext>
             </a:extLst>
           </p:cNvPr>
@@ -2196,7 +2196,7 @@
           <p:cNvPr id="3" name="内容占位符 2">
             <a:extLst>
               <a:ext uri="{FF2B5EF4-FFF2-40B4-BE49-F238E27FC236}">
-                <a16:creationId xmlns:a16="http://schemas.microsoft.com/office/drawing/2014/main" id="{935D5554-020E-A48C-35A3-27C7E05FA599}"/>
+                <a16:creationId xmlns:a16="http://schemas.microsoft.com/office/drawing/2014/main" id="{ADB5B217-CA36-7581-3620-5ADB4936E5BE}"/>
               </a:ext>
             </a:extLst>
           </p:cNvPr>
@@ -2286,7 +2286,7 @@
           <p:cNvPr id="4" name="文本占位符 3">
             <a:extLst>
               <a:ext uri="{FF2B5EF4-FFF2-40B4-BE49-F238E27FC236}">
-                <a16:creationId xmlns:a16="http://schemas.microsoft.com/office/drawing/2014/main" id="{DDFCA7A5-5850-9AEE-170D-E7A8F7BC398C}"/>
+                <a16:creationId xmlns:a16="http://schemas.microsoft.com/office/drawing/2014/main" id="{3D297E34-BF50-3E02-6AFE-E9B1067765C9}"/>
               </a:ext>
             </a:extLst>
           </p:cNvPr>
@@ -2357,7 +2357,7 @@
           <p:cNvPr id="5" name="日期占位符 4">
             <a:extLst>
               <a:ext uri="{FF2B5EF4-FFF2-40B4-BE49-F238E27FC236}">
-                <a16:creationId xmlns:a16="http://schemas.microsoft.com/office/drawing/2014/main" id="{94C54B3C-106B-A6CA-78F8-64C20500ADB2}"/>
+                <a16:creationId xmlns:a16="http://schemas.microsoft.com/office/drawing/2014/main" id="{220B1DAF-02CB-E0F7-E9E6-B64AB8752B10}"/>
               </a:ext>
             </a:extLst>
           </p:cNvPr>
@@ -2373,7 +2373,7 @@
           <a:bodyPr/>
           <a:lstStyle/>
           <a:p>
-            <a:fld id="{B269B177-51F3-44F4-A12B-148987C8EBC0}" type="datetimeFigureOut">
+            <a:fld id="{401BDBD6-B4BD-464D-BC15-02E01C59F4C1}" type="datetimeFigureOut">
               <a:rPr lang="zh-CN" altLang="en-US" smtClean="0"/>
               <a:t>2024/3/10</a:t>
             </a:fld>
@@ -2386,7 +2386,7 @@
           <p:cNvPr id="6" name="页脚占位符 5">
             <a:extLst>
               <a:ext uri="{FF2B5EF4-FFF2-40B4-BE49-F238E27FC236}">
-                <a16:creationId xmlns:a16="http://schemas.microsoft.com/office/drawing/2014/main" id="{B003D9F7-0B05-7D01-D133-252C47B0D510}"/>
+                <a16:creationId xmlns:a16="http://schemas.microsoft.com/office/drawing/2014/main" id="{8FF18A39-F6C1-4FBF-0761-9C4FBA60466A}"/>
               </a:ext>
             </a:extLst>
           </p:cNvPr>
@@ -2411,7 +2411,7 @@
           <p:cNvPr id="7" name="灯片编号占位符 6">
             <a:extLst>
               <a:ext uri="{FF2B5EF4-FFF2-40B4-BE49-F238E27FC236}">
-                <a16:creationId xmlns:a16="http://schemas.microsoft.com/office/drawing/2014/main" id="{BD128599-1B1A-105E-26B1-73C166639F74}"/>
+                <a16:creationId xmlns:a16="http://schemas.microsoft.com/office/drawing/2014/main" id="{2F7260CD-A3B3-CE26-86A7-CDE4E71ED096}"/>
               </a:ext>
             </a:extLst>
           </p:cNvPr>
@@ -2427,7 +2427,7 @@
           <a:bodyPr/>
           <a:lstStyle/>
           <a:p>
-            <a:fld id="{C8456AA4-DFE0-466C-BE0C-94DC3C8E667D}" type="slidenum">
+            <a:fld id="{9393063D-CBAF-49D2-BEB7-2102C922D3AC}" type="slidenum">
               <a:rPr lang="zh-CN" altLang="en-US" smtClean="0"/>
               <a:t>‹#›</a:t>
             </a:fld>
@@ -2438,7 +2438,7 @@
     </p:spTree>
     <p:extLst>
       <p:ext uri="{BB962C8B-B14F-4D97-AF65-F5344CB8AC3E}">
-        <p14:creationId xmlns:p14="http://schemas.microsoft.com/office/powerpoint/2010/main" val="3904623363"/>
+        <p14:creationId xmlns:p14="http://schemas.microsoft.com/office/powerpoint/2010/main" val="1463511265"/>
       </p:ext>
     </p:extLst>
   </p:cSld>
@@ -2470,7 +2470,7 @@
           <p:cNvPr id="2" name="标题 1">
             <a:extLst>
               <a:ext uri="{FF2B5EF4-FFF2-40B4-BE49-F238E27FC236}">
-                <a16:creationId xmlns:a16="http://schemas.microsoft.com/office/drawing/2014/main" id="{D859F57F-F7C0-EB19-0E8B-AF8B4ECE51CA}"/>
+                <a16:creationId xmlns:a16="http://schemas.microsoft.com/office/drawing/2014/main" id="{DBC0F8CA-2FD8-4C47-4D8C-8095C84F9C71}"/>
               </a:ext>
             </a:extLst>
           </p:cNvPr>
@@ -2507,7 +2507,7 @@
           <p:cNvPr id="3" name="图片占位符 2">
             <a:extLst>
               <a:ext uri="{FF2B5EF4-FFF2-40B4-BE49-F238E27FC236}">
-                <a16:creationId xmlns:a16="http://schemas.microsoft.com/office/drawing/2014/main" id="{AFAB664C-D8BF-7DBA-8D4F-D4321DDECEA8}"/>
+                <a16:creationId xmlns:a16="http://schemas.microsoft.com/office/drawing/2014/main" id="{CDB0467B-05B6-A997-F3A4-AF52664C039E}"/>
               </a:ext>
             </a:extLst>
           </p:cNvPr>
@@ -2574,7 +2574,7 @@
           <p:cNvPr id="4" name="文本占位符 3">
             <a:extLst>
               <a:ext uri="{FF2B5EF4-FFF2-40B4-BE49-F238E27FC236}">
-                <a16:creationId xmlns:a16="http://schemas.microsoft.com/office/drawing/2014/main" id="{7D98528A-EF07-2A5A-5DAF-F1DEAF914BC7}"/>
+                <a16:creationId xmlns:a16="http://schemas.microsoft.com/office/drawing/2014/main" id="{E25CF502-4FFF-DF68-06B3-8E4CA10AB697}"/>
               </a:ext>
             </a:extLst>
           </p:cNvPr>
@@ -2645,7 +2645,7 @@
           <p:cNvPr id="5" name="日期占位符 4">
             <a:extLst>
               <a:ext uri="{FF2B5EF4-FFF2-40B4-BE49-F238E27FC236}">
-                <a16:creationId xmlns:a16="http://schemas.microsoft.com/office/drawing/2014/main" id="{D12A5C1C-6700-B550-B2B0-FEE80B3D428F}"/>
+                <a16:creationId xmlns:a16="http://schemas.microsoft.com/office/drawing/2014/main" id="{853953BE-38FF-FD62-ACCE-0D1B5D8B4D22}"/>
               </a:ext>
             </a:extLst>
           </p:cNvPr>
@@ -2661,7 +2661,7 @@
           <a:bodyPr/>
           <a:lstStyle/>
           <a:p>
-            <a:fld id="{B269B177-51F3-44F4-A12B-148987C8EBC0}" type="datetimeFigureOut">
+            <a:fld id="{401BDBD6-B4BD-464D-BC15-02E01C59F4C1}" type="datetimeFigureOut">
               <a:rPr lang="zh-CN" altLang="en-US" smtClean="0"/>
               <a:t>2024/3/10</a:t>
             </a:fld>
@@ -2674,7 +2674,7 @@
           <p:cNvPr id="6" name="页脚占位符 5">
             <a:extLst>
               <a:ext uri="{FF2B5EF4-FFF2-40B4-BE49-F238E27FC236}">
-                <a16:creationId xmlns:a16="http://schemas.microsoft.com/office/drawing/2014/main" id="{01D5A1D4-E35A-C9CA-6EE9-FDBFB9D33C83}"/>
+                <a16:creationId xmlns:a16="http://schemas.microsoft.com/office/drawing/2014/main" id="{4F059413-2FF9-81F5-4C41-D4142FC04786}"/>
               </a:ext>
             </a:extLst>
           </p:cNvPr>
@@ -2699,7 +2699,7 @@
           <p:cNvPr id="7" name="灯片编号占位符 6">
             <a:extLst>
               <a:ext uri="{FF2B5EF4-FFF2-40B4-BE49-F238E27FC236}">
-                <a16:creationId xmlns:a16="http://schemas.microsoft.com/office/drawing/2014/main" id="{D3DF3C41-C564-9037-1A43-A1C1D30BB735}"/>
+                <a16:creationId xmlns:a16="http://schemas.microsoft.com/office/drawing/2014/main" id="{DBEC89FD-C6D9-F9AC-73F5-0AA42A68CBA2}"/>
               </a:ext>
             </a:extLst>
           </p:cNvPr>
@@ -2715,7 +2715,7 @@
           <a:bodyPr/>
           <a:lstStyle/>
           <a:p>
-            <a:fld id="{C8456AA4-DFE0-466C-BE0C-94DC3C8E667D}" type="slidenum">
+            <a:fld id="{9393063D-CBAF-49D2-BEB7-2102C922D3AC}" type="slidenum">
               <a:rPr lang="zh-CN" altLang="en-US" smtClean="0"/>
               <a:t>‹#›</a:t>
             </a:fld>
@@ -2726,7 +2726,7 @@
     </p:spTree>
     <p:extLst>
       <p:ext uri="{BB962C8B-B14F-4D97-AF65-F5344CB8AC3E}">
-        <p14:creationId xmlns:p14="http://schemas.microsoft.com/office/powerpoint/2010/main" val="2989283949"/>
+        <p14:creationId xmlns:p14="http://schemas.microsoft.com/office/powerpoint/2010/main" val="3186165705"/>
       </p:ext>
     </p:extLst>
   </p:cSld>
@@ -2763,7 +2763,7 @@
           <p:cNvPr id="2" name="标题占位符 1">
             <a:extLst>
               <a:ext uri="{FF2B5EF4-FFF2-40B4-BE49-F238E27FC236}">
-                <a16:creationId xmlns:a16="http://schemas.microsoft.com/office/drawing/2014/main" id="{BE489E33-A218-AEC6-6131-63224A80B1D6}"/>
+                <a16:creationId xmlns:a16="http://schemas.microsoft.com/office/drawing/2014/main" id="{427B8FA4-1E0D-CD57-4E16-98888EE5A0F6}"/>
               </a:ext>
             </a:extLst>
           </p:cNvPr>
@@ -2801,7 +2801,7 @@
           <p:cNvPr id="3" name="文本占位符 2">
             <a:extLst>
               <a:ext uri="{FF2B5EF4-FFF2-40B4-BE49-F238E27FC236}">
-                <a16:creationId xmlns:a16="http://schemas.microsoft.com/office/drawing/2014/main" id="{57C4EBDA-8E0D-DA28-7FD0-0C2950C2177B}"/>
+                <a16:creationId xmlns:a16="http://schemas.microsoft.com/office/drawing/2014/main" id="{1B9619C0-FC71-43A1-3D69-454D58C68733}"/>
               </a:ext>
             </a:extLst>
           </p:cNvPr>
@@ -2868,7 +2868,7 @@
           <p:cNvPr id="4" name="日期占位符 3">
             <a:extLst>
               <a:ext uri="{FF2B5EF4-FFF2-40B4-BE49-F238E27FC236}">
-                <a16:creationId xmlns:a16="http://schemas.microsoft.com/office/drawing/2014/main" id="{6121AE57-8DB2-973F-9914-4B8AEEEE0CB3}"/>
+                <a16:creationId xmlns:a16="http://schemas.microsoft.com/office/drawing/2014/main" id="{FADD9409-F83C-B27D-B4C7-5BE8D91FC959}"/>
               </a:ext>
             </a:extLst>
           </p:cNvPr>
@@ -2902,7 +2902,7 @@
             </a:lvl1pPr>
           </a:lstStyle>
           <a:p>
-            <a:fld id="{B269B177-51F3-44F4-A12B-148987C8EBC0}" type="datetimeFigureOut">
+            <a:fld id="{401BDBD6-B4BD-464D-BC15-02E01C59F4C1}" type="datetimeFigureOut">
               <a:rPr lang="zh-CN" altLang="en-US" smtClean="0"/>
               <a:t>2024/3/10</a:t>
             </a:fld>
@@ -2915,7 +2915,7 @@
           <p:cNvPr id="5" name="页脚占位符 4">
             <a:extLst>
               <a:ext uri="{FF2B5EF4-FFF2-40B4-BE49-F238E27FC236}">
-                <a16:creationId xmlns:a16="http://schemas.microsoft.com/office/drawing/2014/main" id="{B61D3655-53D6-0AC2-3380-42704871AD31}"/>
+                <a16:creationId xmlns:a16="http://schemas.microsoft.com/office/drawing/2014/main" id="{276B0E30-770D-1C0E-C4E0-A80A69901885}"/>
               </a:ext>
             </a:extLst>
           </p:cNvPr>
@@ -2958,7 +2958,7 @@
           <p:cNvPr id="6" name="灯片编号占位符 5">
             <a:extLst>
               <a:ext uri="{FF2B5EF4-FFF2-40B4-BE49-F238E27FC236}">
-                <a16:creationId xmlns:a16="http://schemas.microsoft.com/office/drawing/2014/main" id="{042A9266-C92C-6E36-272F-668E51052C72}"/>
+                <a16:creationId xmlns:a16="http://schemas.microsoft.com/office/drawing/2014/main" id="{C4921F4D-EB9B-1499-E797-44DB1BE79CA3}"/>
               </a:ext>
             </a:extLst>
           </p:cNvPr>
@@ -2992,7 +2992,7 @@
             </a:lvl1pPr>
           </a:lstStyle>
           <a:p>
-            <a:fld id="{C8456AA4-DFE0-466C-BE0C-94DC3C8E667D}" type="slidenum">
+            <a:fld id="{9393063D-CBAF-49D2-BEB7-2102C922D3AC}" type="slidenum">
               <a:rPr lang="zh-CN" altLang="en-US" smtClean="0"/>
               <a:t>‹#›</a:t>
             </a:fld>
@@ -3003,7 +3003,7 @@
     </p:spTree>
     <p:extLst>
       <p:ext uri="{BB962C8B-B14F-4D97-AF65-F5344CB8AC3E}">
-        <p14:creationId xmlns:p14="http://schemas.microsoft.com/office/powerpoint/2010/main" val="596441619"/>
+        <p14:creationId xmlns:p14="http://schemas.microsoft.com/office/powerpoint/2010/main" val="813848520"/>
       </p:ext>
     </p:extLst>
   </p:cSld>
@@ -3323,7 +3323,7 @@
       </p:grpSpPr>
       <p:pic>
         <p:nvPicPr>
-          <p:cNvPr id="550914" name="Picture 2" descr="537"/>
+          <p:cNvPr id="551938" name="Picture 2" descr="538"/>
           <p:cNvPicPr>
             <a:picLocks noChangeAspect="1" noChangeArrowheads="1"/>
           </p:cNvPicPr>
@@ -3375,158 +3375,11 @@
           </a:extLst>
         </p:spPr>
       </p:pic>
-      <p:pic>
-        <p:nvPicPr>
-          <p:cNvPr id="551939" name="Picture 3" descr="537-2"/>
-          <p:cNvPicPr>
-            <a:picLocks noChangeAspect="1" noChangeArrowheads="1"/>
-          </p:cNvPicPr>
-          <p:nvPr/>
-        </p:nvPicPr>
-        <p:blipFill>
-          <a:blip r:embed="rId3">
-            <a:extLst>
-              <a:ext uri="{28A0092B-C50C-407E-A947-70E740481C1C}">
-                <a14:useLocalDpi xmlns:a14="http://schemas.microsoft.com/office/drawing/2010/main" val="0"/>
-              </a:ext>
-            </a:extLst>
-          </a:blip>
-          <a:srcRect/>
-          <a:stretch>
-            <a:fillRect/>
-          </a:stretch>
-        </p:blipFill>
-        <p:spPr bwMode="auto">
-          <a:xfrm>
-            <a:off x="1524000" y="0"/>
-            <a:ext cx="9144000" cy="6858000"/>
-          </a:xfrm>
-          <a:prstGeom prst="rect">
-            <a:avLst/>
-          </a:prstGeom>
-          <a:noFill/>
-          <a:ln>
-            <a:noFill/>
-          </a:ln>
-          <a:effectLst/>
-          <a:extLst>
-            <a:ext uri="{909E8E84-426E-40DD-AFC4-6F175D3DCCD1}">
-              <a14:hiddenFill xmlns:a14="http://schemas.microsoft.com/office/drawing/2010/main">
-                <a:solidFill>
-                  <a:srgbClr val="FFFFFF"/>
-                </a:solidFill>
-              </a14:hiddenFill>
-            </a:ext>
-            <a:ext uri="{91240B29-F687-4F45-9708-019B960494DF}">
-              <a14:hiddenLine xmlns:a14="http://schemas.microsoft.com/office/drawing/2010/main" w="9525">
-                <a:solidFill>
-                  <a:srgbClr val="000000"/>
-                </a:solidFill>
-                <a:miter lim="800000"/>
-                <a:headEnd/>
-                <a:tailEnd/>
-              </a14:hiddenLine>
-            </a:ext>
-            <a:ext uri="{AF507438-7753-43E0-B8FC-AC1667EBCBE1}">
-              <a14:hiddenEffects xmlns:a14="http://schemas.microsoft.com/office/drawing/2010/main">
-                <a:effectLst>
-                  <a:outerShdw dist="35921" dir="2700000" algn="ctr" rotWithShape="0">
-                    <a:srgbClr val="808080"/>
-                  </a:outerShdw>
-                </a:effectLst>
-              </a14:hiddenEffects>
-            </a:ext>
-          </a:extLst>
-        </p:spPr>
-      </p:pic>
     </p:spTree>
   </p:cSld>
   <p:clrMapOvr>
     <a:masterClrMapping/>
   </p:clrMapOvr>
-  <p:timing>
-    <p:tnLst>
-      <p:par>
-        <p:cTn id="1" dur="indefinite" restart="never" nodeType="tmRoot">
-          <p:childTnLst>
-            <p:seq concurrent="1" nextAc="seek">
-              <p:cTn id="2" dur="indefinite" nodeType="mainSeq">
-                <p:childTnLst>
-                  <p:par>
-                    <p:cTn id="3" fill="hold" nodeType="clickPar">
-                      <p:stCondLst>
-                        <p:cond delay="indefinite"/>
-                      </p:stCondLst>
-                      <p:childTnLst>
-                        <p:par>
-                          <p:cTn id="4" fill="hold" nodeType="withGroup">
-                            <p:stCondLst>
-                              <p:cond delay="0"/>
-                            </p:stCondLst>
-                            <p:childTnLst>
-                              <p:par>
-                                <p:cTn id="5" presetID="10" presetClass="entr" presetSubtype="0" fill="hold" nodeType="clickEffect">
-                                  <p:stCondLst>
-                                    <p:cond delay="0"/>
-                                  </p:stCondLst>
-                                  <p:childTnLst>
-                                    <p:set>
-                                      <p:cBhvr>
-                                        <p:cTn id="6" dur="1" fill="hold">
-                                          <p:stCondLst>
-                                            <p:cond delay="0"/>
-                                          </p:stCondLst>
-                                        </p:cTn>
-                                        <p:tgtEl>
-                                          <p:spTgt spid="551939"/>
-                                        </p:tgtEl>
-                                        <p:attrNameLst>
-                                          <p:attrName>style.visibility</p:attrName>
-                                        </p:attrNameLst>
-                                      </p:cBhvr>
-                                      <p:to>
-                                        <p:strVal val="visible"/>
-                                      </p:to>
-                                    </p:set>
-                                    <p:animEffect transition="in" filter="fade">
-                                      <p:cBhvr>
-                                        <p:cTn id="7" dur="500"/>
-                                        <p:tgtEl>
-                                          <p:spTgt spid="551939"/>
-                                        </p:tgtEl>
-                                      </p:cBhvr>
-                                    </p:animEffect>
-                                  </p:childTnLst>
-                                </p:cTn>
-                              </p:par>
-                            </p:childTnLst>
-                          </p:cTn>
-                        </p:par>
-                      </p:childTnLst>
-                    </p:cTn>
-                  </p:par>
-                </p:childTnLst>
-              </p:cTn>
-              <p:prevCondLst>
-                <p:cond evt="onPrev" delay="0">
-                  <p:tgtEl>
-                    <p:sldTgt/>
-                  </p:tgtEl>
-                </p:cond>
-              </p:prevCondLst>
-              <p:nextCondLst>
-                <p:cond evt="onNext" delay="0">
-                  <p:tgtEl>
-                    <p:sldTgt/>
-                  </p:tgtEl>
-                </p:cond>
-              </p:nextCondLst>
-            </p:seq>
-          </p:childTnLst>
-        </p:cTn>
-      </p:par>
-    </p:tnLst>
-  </p:timing>
 </p:sld>
 </file>
 
